--- a/tutorial35.pptx
+++ b/tutorial35.pptx
@@ -282,7 +282,7 @@
           <a:p>
             <a:fld id="{72EA7947-E287-4738-8C82-07CE4F01EF03}" type="datetime2">
               <a:rPr lang="en-US" smtClean="0"/>
-              <a:t>Wednesday, November 11, 2020</a:t>
+              <a:t>Friday, November 13, 2020</a:t>
             </a:fld>
             <a:endParaRPr lang="en-US" dirty="0"/>
           </a:p>
@@ -1318,7 +1318,7 @@
           <a:p>
             <a:fld id="{EE2EBD84-71F4-4271-8C46-0D47C0A9B12E}" type="datetime2">
               <a:rPr lang="en-US" smtClean="0"/>
-              <a:t>Wednesday, November 11, 2020</a:t>
+              <a:t>Friday, November 13, 2020</a:t>
             </a:fld>
             <a:endParaRPr lang="en-US"/>
           </a:p>
@@ -1529,7 +1529,7 @@
           <a:p>
             <a:fld id="{ABAE0CE1-F450-4107-B2CB-17B18F8A3F4A}" type="datetime2">
               <a:rPr lang="en-US" smtClean="0"/>
-              <a:t>Wednesday, November 11, 2020</a:t>
+              <a:t>Friday, November 13, 2020</a:t>
             </a:fld>
             <a:endParaRPr lang="en-US"/>
           </a:p>
@@ -2194,7 +2194,7 @@
           <a:p>
             <a:fld id="{6FE8C025-CD7A-4966-867E-81CF82B15267}" type="datetime2">
               <a:rPr lang="en-US" smtClean="0"/>
-              <a:t>Wednesday, November 11, 2020</a:t>
+              <a:t>Friday, November 13, 2020</a:t>
             </a:fld>
             <a:endParaRPr lang="en-US"/>
           </a:p>
@@ -2814,7 +2814,7 @@
           <a:p>
             <a:fld id="{FE809929-0719-4517-94D6-FDF7F99E70F6}" type="datetime2">
               <a:rPr lang="en-US" smtClean="0"/>
-              <a:t>Wednesday, November 11, 2020</a:t>
+              <a:t>Friday, November 13, 2020</a:t>
             </a:fld>
             <a:endParaRPr lang="en-US"/>
           </a:p>
@@ -3932,7 +3932,7 @@
           <a:p>
             <a:fld id="{20E95673-5512-4AAA-9AEB-E00C61EC65D5}" type="datetime2">
               <a:rPr lang="en-US" smtClean="0"/>
-              <a:t>Wednesday, November 11, 2020</a:t>
+              <a:t>Friday, November 13, 2020</a:t>
             </a:fld>
             <a:endParaRPr lang="en-US"/>
           </a:p>
@@ -4479,7 +4479,7 @@
           <a:p>
             <a:fld id="{C13138FA-2E87-4873-8BBA-13E447C9A99A}" type="datetime2">
               <a:rPr lang="en-US" smtClean="0"/>
-              <a:t>Wednesday, November 11, 2020</a:t>
+              <a:t>Friday, November 13, 2020</a:t>
             </a:fld>
             <a:endParaRPr lang="en-US"/>
           </a:p>
@@ -4640,7 +4640,7 @@
           <a:p>
             <a:fld id="{D75BB40A-97BD-4BFB-B639-0BFF95FDE8B7}" type="datetime2">
               <a:rPr lang="en-US" smtClean="0"/>
-              <a:t>Wednesday, November 11, 2020</a:t>
+              <a:t>Friday, November 13, 2020</a:t>
             </a:fld>
             <a:endParaRPr lang="en-US"/>
           </a:p>
@@ -5675,7 +5675,7 @@
           <a:p>
             <a:fld id="{9EE9E0E3-ECF6-4CFE-8698-AEFEBCECC3C0}" type="datetime2">
               <a:rPr lang="en-US" smtClean="0"/>
-              <a:t>Wednesday, November 11, 2020</a:t>
+              <a:t>Friday, November 13, 2020</a:t>
             </a:fld>
             <a:endParaRPr lang="en-US"/>
           </a:p>
@@ -6321,7 +6321,7 @@
           <a:p>
             <a:fld id="{251462FC-960E-4740-921F-B36862979F21}" type="datetime2">
               <a:rPr lang="en-US" smtClean="0"/>
-              <a:t>Wednesday, November 11, 2020</a:t>
+              <a:t>Friday, November 13, 2020</a:t>
             </a:fld>
             <a:endParaRPr lang="en-US"/>
           </a:p>
@@ -7085,7 +7085,7 @@
           <a:p>
             <a:fld id="{E50BC9E2-CB44-4C05-9BB5-496C18A241E0}" type="datetime2">
               <a:rPr lang="en-US" smtClean="0"/>
-              <a:t>Wednesday, November 11, 2020</a:t>
+              <a:t>Friday, November 13, 2020</a:t>
             </a:fld>
             <a:endParaRPr lang="en-US"/>
           </a:p>
@@ -7338,7 +7338,7 @@
           <a:p>
             <a:fld id="{246CB39B-5F4C-4A7E-9BE3-AAFD45576D16}" type="datetime2">
               <a:rPr lang="en-US" smtClean="0"/>
-              <a:t>Wednesday, November 11, 2020</a:t>
+              <a:t>Friday, November 13, 2020</a:t>
             </a:fld>
             <a:endParaRPr lang="en-US" dirty="0"/>
           </a:p>
@@ -9737,10 +9737,10 @@
       </p:sp>
       <p:pic>
         <p:nvPicPr>
-          <p:cNvPr id="6" name="Content Placeholder 5">
-            <a:extLst>
-              <a:ext uri="{FF2B5EF4-FFF2-40B4-BE49-F238E27FC236}">
-                <a16:creationId xmlns:a16="http://schemas.microsoft.com/office/drawing/2014/main" id="{29E45121-5A99-7646-A1D4-6ABF5C8BC463}"/>
+          <p:cNvPr id="5" name="Content Placeholder 4" descr="Graphical user interface, text, application, email&#10;&#10;Description automatically generated">
+            <a:extLst>
+              <a:ext uri="{FF2B5EF4-FFF2-40B4-BE49-F238E27FC236}">
+                <a16:creationId xmlns:a16="http://schemas.microsoft.com/office/drawing/2014/main" id="{42F6D914-A06E-7F49-8CF8-449E8C2720D3}"/>
               </a:ext>
             </a:extLst>
           </p:cNvPr>
@@ -9759,8 +9759,8 @@
         </p:blipFill>
         <p:spPr>
           <a:xfrm>
-            <a:off x="550863" y="2181098"/>
-            <a:ext cx="11090275" cy="3843592"/>
+            <a:off x="1082307" y="2112963"/>
+            <a:ext cx="10027386" cy="3979862"/>
           </a:xfrm>
         </p:spPr>
       </p:pic>
